--- a/01 Classes/Aula10 - Arquitetura - Processamento Hipotético.pptx
+++ b/01 Classes/Aula10 - Arquitetura - Processamento Hipotético.pptx
@@ -292,7 +292,7 @@
       </p15:sldGuideLst>
     </p:ext>
     <p:ext uri="http://customooxmlschemas.google.com/">
-      <go:slidesCustomData xmlns="" xmlns:mc="http://schemas.openxmlformats.org/markup-compatibility/2006" xmlns:mv="urn:schemas-microsoft-com:mac:vml" xmlns:c="http://schemas.openxmlformats.org/drawingml/2006/chart" xmlns:dgm="http://schemas.openxmlformats.org/drawingml/2006/diagram" xmlns:o="urn:schemas-microsoft-com:office:office" xmlns:v="urn:schemas-microsoft-com:vml" xmlns:pvml="urn:schemas-microsoft-com:office:powerpoint" xmlns:com="http://schemas.openxmlformats.org/drawingml/2006/compatibility" xmlns:p14="http://schemas.microsoft.com/office/powerpoint/2010/main" xmlns:p15="http://schemas.microsoft.com/office/powerpoint/2012/main" xmlns:ahyp="http://schemas.microsoft.com/office/drawing/2018/hyperlinkcolor" xmlns:go="http://customooxmlschemas.google.com/" r:id="rId69" roundtripDataSignature="AMtx7mgP2ByPE8dqFrGdlnMqnJEpidKYZg=="/>
+      <go:slidesCustomData xmlns:go="http://customooxmlschemas.google.com/" xmlns:ahyp="http://schemas.microsoft.com/office/drawing/2018/hyperlinkcolor" xmlns:p15="http://schemas.microsoft.com/office/powerpoint/2012/main" xmlns:p14="http://schemas.microsoft.com/office/powerpoint/2010/main" xmlns:com="http://schemas.openxmlformats.org/drawingml/2006/compatibility" xmlns:pvml="urn:schemas-microsoft-com:office:powerpoint" xmlns:v="urn:schemas-microsoft-com:vml" xmlns:o="urn:schemas-microsoft-com:office:office" xmlns:dgm="http://schemas.openxmlformats.org/drawingml/2006/diagram" xmlns:c="http://schemas.openxmlformats.org/drawingml/2006/chart" xmlns:mv="urn:schemas-microsoft-com:mac:vml" xmlns:mc="http://schemas.openxmlformats.org/markup-compatibility/2006" xmlns="" r:id="rId69" roundtripDataSignature="AMtx7mgP2ByPE8dqFrGdlnMqnJEpidKYZg=="/>
     </p:ext>
   </p:extLst>
 </p:presentation>
@@ -2106,8 +2106,8 @@
         </p:nvSpPr>
         <p:spPr>
           <a:xfrm>
-            <a:off x="1143225" y="685800"/>
-            <a:ext cx="4572225" cy="3429000"/>
+            <a:off x="1143000" y="685800"/>
+            <a:ext cx="4572000" cy="3429000"/>
           </a:xfrm>
           <a:custGeom>
             <a:avLst/>
@@ -21856,7 +21856,7 @@
         </p:nvGraphicFramePr>
         <p:xfrm>
           <a:off x="1057910" y="1565156"/>
-          <a:ext cx="3000000" cy="3000000"/>
+          <a:ext cx="7028200" cy="4277440"/>
         </p:xfrm>
         <a:graphic>
           <a:graphicData uri="http://schemas.openxmlformats.org/drawingml/2006/table">
@@ -23861,7 +23861,7 @@
         </p:nvGraphicFramePr>
         <p:xfrm>
           <a:off x="168802" y="352504"/>
-          <a:ext cx="3000000" cy="3000000"/>
+          <a:ext cx="8806400" cy="6304450"/>
         </p:xfrm>
         <a:graphic>
           <a:graphicData uri="http://schemas.openxmlformats.org/drawingml/2006/table">
@@ -26600,10 +26600,10 @@
               <a:buNone/>
             </a:pPr>
             <a:r>
-              <a:rPr lang="pt-BR" sz="4400"/>
+              <a:rPr lang="pt-BR" sz="4400" dirty="0"/>
               <a:t>Processador Hipotético</a:t>
             </a:r>
-            <a:endParaRPr/>
+            <a:endParaRPr dirty="0"/>
           </a:p>
         </p:txBody>
       </p:sp>
@@ -26634,6 +26634,398 @@
           </a:ln>
         </p:spPr>
       </p:pic>
+      <p:sp>
+        <p:nvSpPr>
+          <p:cNvPr id="4" name="Google Shape;376;p3">
+            <a:extLst>
+              <a:ext uri="{FF2B5EF4-FFF2-40B4-BE49-F238E27FC236}">
+                <a16:creationId xmlns:a16="http://schemas.microsoft.com/office/drawing/2014/main" id="{362DD2E0-2444-549C-4C9C-89669A8B31EE}"/>
+              </a:ext>
+            </a:extLst>
+          </p:cNvPr>
+          <p:cNvSpPr txBox="1">
+            <a:spLocks/>
+          </p:cNvSpPr>
+          <p:nvPr/>
+        </p:nvSpPr>
+        <p:spPr>
+          <a:xfrm>
+            <a:off x="554720" y="3660559"/>
+            <a:ext cx="7927128" cy="3055246"/>
+          </a:xfrm>
+          <a:prstGeom prst="rect">
+            <a:avLst/>
+          </a:prstGeom>
+          <a:noFill/>
+          <a:ln>
+            <a:noFill/>
+          </a:ln>
+        </p:spPr>
+        <p:txBody>
+          <a:bodyPr spcFirstLastPara="1" wrap="square" lIns="91425" tIns="45700" rIns="91425" bIns="45700" anchor="t" anchorCtr="0">
+            <a:noAutofit/>
+          </a:bodyPr>
+          <a:lstStyle>
+            <a:defPPr marR="0" lvl="0" algn="l" rtl="0">
+              <a:lnSpc>
+                <a:spcPct val="100000"/>
+              </a:lnSpc>
+              <a:spcBef>
+                <a:spcPts val="0"/>
+              </a:spcBef>
+              <a:spcAft>
+                <a:spcPts val="0"/>
+              </a:spcAft>
+            </a:defPPr>
+            <a:lvl1pPr marR="0" lvl="0" algn="l" rtl="0">
+              <a:lnSpc>
+                <a:spcPct val="100000"/>
+              </a:lnSpc>
+              <a:spcBef>
+                <a:spcPts val="0"/>
+              </a:spcBef>
+              <a:spcAft>
+                <a:spcPts val="0"/>
+              </a:spcAft>
+              <a:buClr>
+                <a:srgbClr val="000000"/>
+              </a:buClr>
+              <a:buFont typeface="Arial"/>
+              <a:defRPr sz="1400" b="0" i="0" u="none" strike="noStrike" cap="none">
+                <a:solidFill>
+                  <a:srgbClr val="000000"/>
+                </a:solidFill>
+                <a:latin typeface="Arial"/>
+                <a:ea typeface="Arial"/>
+                <a:cs typeface="Arial"/>
+                <a:sym typeface="Arial"/>
+              </a:defRPr>
+            </a:lvl1pPr>
+            <a:lvl2pPr marR="0" lvl="1" algn="l" rtl="0">
+              <a:lnSpc>
+                <a:spcPct val="100000"/>
+              </a:lnSpc>
+              <a:spcBef>
+                <a:spcPts val="0"/>
+              </a:spcBef>
+              <a:spcAft>
+                <a:spcPts val="0"/>
+              </a:spcAft>
+              <a:buClr>
+                <a:srgbClr val="000000"/>
+              </a:buClr>
+              <a:buFont typeface="Arial"/>
+              <a:defRPr sz="1400" b="0" i="0" u="none" strike="noStrike" cap="none">
+                <a:solidFill>
+                  <a:srgbClr val="000000"/>
+                </a:solidFill>
+                <a:latin typeface="Arial"/>
+                <a:ea typeface="Arial"/>
+                <a:cs typeface="Arial"/>
+                <a:sym typeface="Arial"/>
+              </a:defRPr>
+            </a:lvl2pPr>
+            <a:lvl3pPr marR="0" lvl="2" algn="l" rtl="0">
+              <a:lnSpc>
+                <a:spcPct val="100000"/>
+              </a:lnSpc>
+              <a:spcBef>
+                <a:spcPts val="0"/>
+              </a:spcBef>
+              <a:spcAft>
+                <a:spcPts val="0"/>
+              </a:spcAft>
+              <a:buClr>
+                <a:srgbClr val="000000"/>
+              </a:buClr>
+              <a:buFont typeface="Arial"/>
+              <a:defRPr sz="1400" b="0" i="0" u="none" strike="noStrike" cap="none">
+                <a:solidFill>
+                  <a:srgbClr val="000000"/>
+                </a:solidFill>
+                <a:latin typeface="Arial"/>
+                <a:ea typeface="Arial"/>
+                <a:cs typeface="Arial"/>
+                <a:sym typeface="Arial"/>
+              </a:defRPr>
+            </a:lvl3pPr>
+            <a:lvl4pPr marR="0" lvl="3" algn="l" rtl="0">
+              <a:lnSpc>
+                <a:spcPct val="100000"/>
+              </a:lnSpc>
+              <a:spcBef>
+                <a:spcPts val="0"/>
+              </a:spcBef>
+              <a:spcAft>
+                <a:spcPts val="0"/>
+              </a:spcAft>
+              <a:buClr>
+                <a:srgbClr val="000000"/>
+              </a:buClr>
+              <a:buFont typeface="Arial"/>
+              <a:defRPr sz="1400" b="0" i="0" u="none" strike="noStrike" cap="none">
+                <a:solidFill>
+                  <a:srgbClr val="000000"/>
+                </a:solidFill>
+                <a:latin typeface="Arial"/>
+                <a:ea typeface="Arial"/>
+                <a:cs typeface="Arial"/>
+                <a:sym typeface="Arial"/>
+              </a:defRPr>
+            </a:lvl4pPr>
+            <a:lvl5pPr marR="0" lvl="4" algn="l" rtl="0">
+              <a:lnSpc>
+                <a:spcPct val="100000"/>
+              </a:lnSpc>
+              <a:spcBef>
+                <a:spcPts val="0"/>
+              </a:spcBef>
+              <a:spcAft>
+                <a:spcPts val="0"/>
+              </a:spcAft>
+              <a:buClr>
+                <a:srgbClr val="000000"/>
+              </a:buClr>
+              <a:buFont typeface="Arial"/>
+              <a:defRPr sz="1400" b="0" i="0" u="none" strike="noStrike" cap="none">
+                <a:solidFill>
+                  <a:srgbClr val="000000"/>
+                </a:solidFill>
+                <a:latin typeface="Arial"/>
+                <a:ea typeface="Arial"/>
+                <a:cs typeface="Arial"/>
+                <a:sym typeface="Arial"/>
+              </a:defRPr>
+            </a:lvl5pPr>
+            <a:lvl6pPr marR="0" lvl="5" algn="l" rtl="0">
+              <a:lnSpc>
+                <a:spcPct val="100000"/>
+              </a:lnSpc>
+              <a:spcBef>
+                <a:spcPts val="0"/>
+              </a:spcBef>
+              <a:spcAft>
+                <a:spcPts val="0"/>
+              </a:spcAft>
+              <a:buClr>
+                <a:srgbClr val="000000"/>
+              </a:buClr>
+              <a:buFont typeface="Arial"/>
+              <a:defRPr sz="1400" b="0" i="0" u="none" strike="noStrike" cap="none">
+                <a:solidFill>
+                  <a:srgbClr val="000000"/>
+                </a:solidFill>
+                <a:latin typeface="Arial"/>
+                <a:ea typeface="Arial"/>
+                <a:cs typeface="Arial"/>
+                <a:sym typeface="Arial"/>
+              </a:defRPr>
+            </a:lvl6pPr>
+            <a:lvl7pPr marR="0" lvl="6" algn="l" rtl="0">
+              <a:lnSpc>
+                <a:spcPct val="100000"/>
+              </a:lnSpc>
+              <a:spcBef>
+                <a:spcPts val="0"/>
+              </a:spcBef>
+              <a:spcAft>
+                <a:spcPts val="0"/>
+              </a:spcAft>
+              <a:buClr>
+                <a:srgbClr val="000000"/>
+              </a:buClr>
+              <a:buFont typeface="Arial"/>
+              <a:defRPr sz="1400" b="0" i="0" u="none" strike="noStrike" cap="none">
+                <a:solidFill>
+                  <a:srgbClr val="000000"/>
+                </a:solidFill>
+                <a:latin typeface="Arial"/>
+                <a:ea typeface="Arial"/>
+                <a:cs typeface="Arial"/>
+                <a:sym typeface="Arial"/>
+              </a:defRPr>
+            </a:lvl7pPr>
+            <a:lvl8pPr marR="0" lvl="7" algn="l" rtl="0">
+              <a:lnSpc>
+                <a:spcPct val="100000"/>
+              </a:lnSpc>
+              <a:spcBef>
+                <a:spcPts val="0"/>
+              </a:spcBef>
+              <a:spcAft>
+                <a:spcPts val="0"/>
+              </a:spcAft>
+              <a:buClr>
+                <a:srgbClr val="000000"/>
+              </a:buClr>
+              <a:buFont typeface="Arial"/>
+              <a:defRPr sz="1400" b="0" i="0" u="none" strike="noStrike" cap="none">
+                <a:solidFill>
+                  <a:srgbClr val="000000"/>
+                </a:solidFill>
+                <a:latin typeface="Arial"/>
+                <a:ea typeface="Arial"/>
+                <a:cs typeface="Arial"/>
+                <a:sym typeface="Arial"/>
+              </a:defRPr>
+            </a:lvl8pPr>
+            <a:lvl9pPr marR="0" lvl="8" algn="l" rtl="0">
+              <a:lnSpc>
+                <a:spcPct val="100000"/>
+              </a:lnSpc>
+              <a:spcBef>
+                <a:spcPts val="0"/>
+              </a:spcBef>
+              <a:spcAft>
+                <a:spcPts val="0"/>
+              </a:spcAft>
+              <a:buClr>
+                <a:srgbClr val="000000"/>
+              </a:buClr>
+              <a:buFont typeface="Arial"/>
+              <a:defRPr sz="1400" b="0" i="0" u="none" strike="noStrike" cap="none">
+                <a:solidFill>
+                  <a:srgbClr val="000000"/>
+                </a:solidFill>
+                <a:latin typeface="Arial"/>
+                <a:ea typeface="Arial"/>
+                <a:cs typeface="Arial"/>
+                <a:sym typeface="Arial"/>
+              </a:defRPr>
+            </a:lvl9pPr>
+          </a:lstStyle>
+          <a:p>
+            <a:pPr marL="571500" lvl="1" algn="just">
+              <a:lnSpc>
+                <a:spcPct val="90000"/>
+              </a:lnSpc>
+              <a:spcBef>
+                <a:spcPts val="1200"/>
+              </a:spcBef>
+              <a:buSzPts val="1800"/>
+            </a:pPr>
+            <a:r>
+              <a:rPr lang="pt-BR" sz="1800" b="1" dirty="0"/>
+              <a:t>1. Introdução ao Processador Hipotético </a:t>
+            </a:r>
+            <a:r>
+              <a:rPr lang="pt-BR" sz="1800" b="1" dirty="0" err="1"/>
+              <a:t>Neander</a:t>
+            </a:r>
+            <a:endParaRPr lang="pt-BR" sz="1800" b="1" dirty="0"/>
+          </a:p>
+          <a:p>
+            <a:pPr marL="571500" lvl="1" algn="just">
+              <a:lnSpc>
+                <a:spcPct val="90000"/>
+              </a:lnSpc>
+              <a:spcBef>
+                <a:spcPts val="1200"/>
+              </a:spcBef>
+              <a:buSzPts val="1800"/>
+            </a:pPr>
+            <a:r>
+              <a:rPr lang="pt-BR" sz="1800" dirty="0"/>
+              <a:t>https://sourceforge.net/projects/neander-x/</a:t>
+            </a:r>
+          </a:p>
+          <a:p>
+            <a:pPr marL="571500" lvl="1" algn="just">
+              <a:lnSpc>
+                <a:spcPct val="90000"/>
+              </a:lnSpc>
+              <a:spcBef>
+                <a:spcPts val="1200"/>
+              </a:spcBef>
+              <a:buSzPts val="1800"/>
+            </a:pPr>
+            <a:r>
+              <a:rPr lang="pt-BR" sz="1800" dirty="0">
+                <a:hlinkClick r:id="rId4"/>
+              </a:rPr>
+              <a:t>https://youtu.be/21Vcdmne7n8</a:t>
+            </a:r>
+            <a:endParaRPr lang="pt-BR" sz="1800" dirty="0"/>
+          </a:p>
+          <a:p>
+            <a:pPr marL="571500" lvl="1" algn="just">
+              <a:lnSpc>
+                <a:spcPct val="90000"/>
+              </a:lnSpc>
+              <a:spcBef>
+                <a:spcPts val="1200"/>
+              </a:spcBef>
+              <a:buSzPts val="1800"/>
+            </a:pPr>
+            <a:r>
+              <a:rPr lang="pt-BR" sz="1800" b="1" dirty="0"/>
+              <a:t>2. Introdução ao Processador Hipotético Ramsés</a:t>
+            </a:r>
+          </a:p>
+          <a:p>
+            <a:pPr marL="571500" lvl="1" algn="just">
+              <a:lnSpc>
+                <a:spcPct val="90000"/>
+              </a:lnSpc>
+              <a:spcBef>
+                <a:spcPts val="1200"/>
+              </a:spcBef>
+              <a:buSzPts val="1800"/>
+            </a:pPr>
+            <a:r>
+              <a:rPr lang="pt-BR" sz="1800" dirty="0">
+                <a:hlinkClick r:id="rId5"/>
+              </a:rPr>
+              <a:t>https://youtu.be/2KI7vq1Au-I</a:t>
+            </a:r>
+            <a:r>
+              <a:rPr lang="pt-BR" sz="1800" dirty="0"/>
+              <a:t> </a:t>
+            </a:r>
+          </a:p>
+          <a:p>
+            <a:pPr marL="571500" lvl="1" algn="just">
+              <a:lnSpc>
+                <a:spcPct val="90000"/>
+              </a:lnSpc>
+              <a:spcBef>
+                <a:spcPts val="1200"/>
+              </a:spcBef>
+              <a:buSzPts val="1800"/>
+            </a:pPr>
+            <a:r>
+              <a:rPr lang="pt-BR" sz="1800" b="1" dirty="0"/>
+              <a:t>3. Processador Hipotético </a:t>
+            </a:r>
+            <a:r>
+              <a:rPr lang="fi-FI" sz="1800" b="1" dirty="0"/>
+              <a:t>SimuS Files</a:t>
+            </a:r>
+          </a:p>
+          <a:p>
+            <a:pPr marL="571500" lvl="1" algn="just">
+              <a:lnSpc>
+                <a:spcPct val="90000"/>
+              </a:lnSpc>
+              <a:spcBef>
+                <a:spcPts val="1200"/>
+              </a:spcBef>
+              <a:buSzPts val="1800"/>
+            </a:pPr>
+            <a:r>
+              <a:rPr lang="fi-FI" sz="1800" dirty="0">
+                <a:hlinkClick r:id="rId6"/>
+              </a:rPr>
+              <a:t>https://sourceforge.net/projects/simus/files/</a:t>
+            </a:r>
+            <a:r>
+              <a:rPr lang="fi-FI" sz="1800" dirty="0"/>
+              <a:t> </a:t>
+            </a:r>
+            <a:endParaRPr lang="pt-BR" sz="1800" dirty="0"/>
+          </a:p>
+        </p:txBody>
+      </p:sp>
     </p:spTree>
   </p:cSld>
   <p:clrMapOvr>
@@ -32351,10 +32743,10 @@
               <a:buChar char="•"/>
             </a:pPr>
             <a:r>
-              <a:rPr lang="pt-BR" sz="2200"/>
+              <a:rPr lang="pt-BR" sz="2200" dirty="0"/>
               <a:t>Linguagem de máquina: linguagem que o processador entende e executa</a:t>
             </a:r>
-            <a:endParaRPr/>
+            <a:endParaRPr dirty="0"/>
           </a:p>
           <a:p>
             <a:pPr marL="457200" lvl="0" indent="-342900" algn="just" rtl="0">
@@ -32371,10 +32763,10 @@
               <a:buChar char="•"/>
             </a:pPr>
             <a:r>
-              <a:rPr lang="pt-BR" sz="2200"/>
+              <a:rPr lang="pt-BR" sz="2200" dirty="0"/>
               <a:t>Linguagem simbólica: facilitar a tarefa de programação e de depuração</a:t>
             </a:r>
-            <a:endParaRPr/>
+            <a:endParaRPr dirty="0"/>
           </a:p>
           <a:p>
             <a:pPr marL="914400" lvl="1" indent="-342900" algn="just" rtl="0">
@@ -32391,10 +32783,10 @@
               <a:buChar char="•"/>
             </a:pPr>
             <a:r>
-              <a:rPr lang="pt-BR" sz="1800"/>
+              <a:rPr lang="pt-BR" sz="1800" dirty="0"/>
               <a:t>mnemônicos associados a códigos de instruções, nomes aos operandos e rótulos às posições ocupadas pelo programa</a:t>
             </a:r>
-            <a:endParaRPr/>
+            <a:endParaRPr dirty="0"/>
           </a:p>
           <a:p>
             <a:pPr marL="457200" lvl="0" indent="-342900" algn="just" rtl="0">
@@ -32411,10 +32803,10 @@
               <a:buChar char="•"/>
             </a:pPr>
             <a:r>
-              <a:rPr lang="pt-BR" sz="2200"/>
+              <a:rPr lang="pt-BR" sz="2200" dirty="0"/>
               <a:t>Montador</a:t>
             </a:r>
-            <a:endParaRPr/>
+            <a:endParaRPr dirty="0"/>
           </a:p>
           <a:p>
             <a:pPr marL="914400" lvl="1" indent="-342900" algn="just" rtl="0">
@@ -32431,10 +32823,10 @@
               <a:buChar char="•"/>
             </a:pPr>
             <a:r>
-              <a:rPr lang="pt-BR" sz="1800"/>
+              <a:rPr lang="pt-BR" sz="1800" dirty="0"/>
               <a:t>programa escrito em linguagem simbólica precisa ser traduzido em linguagem de máquina para que possa ser executado</a:t>
             </a:r>
-            <a:endParaRPr/>
+            <a:endParaRPr dirty="0"/>
           </a:p>
           <a:p>
             <a:pPr marL="914400" lvl="1" indent="-228600" algn="just" rtl="0">
@@ -32450,7 +32842,7 @@
               <a:buSzPts val="1800"/>
               <a:buNone/>
             </a:pPr>
-            <a:endParaRPr sz="1800"/>
+            <a:endParaRPr sz="1800" dirty="0"/>
           </a:p>
           <a:p>
             <a:pPr marL="914400" lvl="1" indent="-228600" algn="just" rtl="0">
@@ -32466,7 +32858,7 @@
               <a:buSzPts val="1800"/>
               <a:buNone/>
             </a:pPr>
-            <a:endParaRPr sz="1800"/>
+            <a:endParaRPr sz="1800" dirty="0"/>
           </a:p>
         </p:txBody>
       </p:sp>
@@ -35392,7 +35784,7 @@
         </p:spPr>
         <p:txBody>
           <a:bodyPr spcFirstLastPara="1" wrap="square" lIns="91425" tIns="45700" rIns="91425" bIns="45700" anchor="t" anchorCtr="0">
-            <a:normAutofit lnSpcReduction="20000"/>
+            <a:normAutofit lnSpcReduction="10000"/>
           </a:bodyPr>
           <a:lstStyle/>
           <a:p>
@@ -40044,7 +40436,7 @@
               <a:buSzPts val="1800"/>
               <a:buNone/>
             </a:pPr>
-            <a:endParaRPr sz="2200"/>
+            <a:endParaRPr sz="2200" dirty="0"/>
           </a:p>
           <a:p>
             <a:pPr marL="457200" lvl="0" indent="-342900" algn="just" rtl="0">
@@ -40061,10 +40453,10 @@
               <a:buChar char="•"/>
             </a:pPr>
             <a:r>
-              <a:rPr lang="pt-BR" sz="2200"/>
+              <a:rPr lang="pt-BR" sz="2200" dirty="0"/>
               <a:t>Forma de facilitar a compreensão sobre a arquitetura e o funcionamento de processadores</a:t>
             </a:r>
-            <a:endParaRPr/>
+            <a:endParaRPr dirty="0"/>
           </a:p>
           <a:p>
             <a:pPr marL="914400" lvl="1" indent="-342900" algn="just" rtl="0">
@@ -40081,10 +40473,10 @@
               <a:buChar char="•"/>
             </a:pPr>
             <a:r>
-              <a:rPr lang="pt-BR" sz="1800"/>
+              <a:rPr lang="pt-BR" sz="1800" dirty="0"/>
               <a:t>versões mais simples</a:t>
             </a:r>
-            <a:endParaRPr/>
+            <a:endParaRPr dirty="0"/>
           </a:p>
           <a:p>
             <a:pPr marL="914400" lvl="1" indent="-342900" algn="just" rtl="0">
@@ -40101,10 +40493,38 @@
               <a:buChar char="•"/>
             </a:pPr>
             <a:r>
-              <a:rPr lang="pt-BR" sz="1800"/>
-              <a:t>Ex: Neander, Ramses, Cesar, Simuladores MIPS, etc;</a:t>
+              <a:rPr lang="pt-BR" sz="1800" dirty="0" err="1"/>
+              <a:t>Ex</a:t>
             </a:r>
-            <a:endParaRPr/>
+            <a:r>
+              <a:rPr lang="pt-BR" sz="1800" dirty="0"/>
+              <a:t>: </a:t>
+            </a:r>
+            <a:r>
+              <a:rPr lang="pt-BR" sz="1800" dirty="0" err="1"/>
+              <a:t>Neander</a:t>
+            </a:r>
+            <a:r>
+              <a:rPr lang="pt-BR" sz="1800" dirty="0"/>
+              <a:t>, </a:t>
+            </a:r>
+            <a:r>
+              <a:rPr lang="pt-BR" sz="1800" dirty="0" err="1"/>
+              <a:t>Ramses</a:t>
+            </a:r>
+            <a:r>
+              <a:rPr lang="pt-BR" sz="1800" dirty="0"/>
+              <a:t>, Cesar, Simuladores MIPS, </a:t>
+            </a:r>
+            <a:r>
+              <a:rPr lang="pt-BR" sz="1800" dirty="0" err="1"/>
+              <a:t>etc</a:t>
+            </a:r>
+            <a:r>
+              <a:rPr lang="pt-BR" sz="1800" dirty="0"/>
+              <a:t>;</a:t>
+            </a:r>
+            <a:endParaRPr dirty="0"/>
           </a:p>
           <a:p>
             <a:pPr marL="914400" lvl="1" indent="-228600" algn="just" rtl="0">
@@ -40120,7 +40540,7 @@
               <a:buSzPts val="1800"/>
               <a:buNone/>
             </a:pPr>
-            <a:endParaRPr sz="1800"/>
+            <a:endParaRPr sz="1800" dirty="0"/>
           </a:p>
           <a:p>
             <a:pPr marL="457200" lvl="0" indent="-342900" algn="just" rtl="0">
@@ -40137,10 +40557,10 @@
               <a:buChar char="•"/>
             </a:pPr>
             <a:r>
-              <a:rPr lang="pt-BR" sz="2200"/>
+              <a:rPr lang="pt-BR" sz="2200" dirty="0"/>
               <a:t>PH1 </a:t>
             </a:r>
-            <a:endParaRPr/>
+            <a:endParaRPr dirty="0"/>
           </a:p>
           <a:p>
             <a:pPr marL="914400" lvl="1" indent="-342900" algn="just" rtl="0">
@@ -40157,10 +40577,18 @@
               <a:buChar char="•"/>
             </a:pPr>
             <a:r>
-              <a:rPr lang="pt-BR" sz="1800"/>
-              <a:t>é um processador hipotético, que implementa o modelo Neander, com o propósito de apresentar os principais conceitos básicos sobre arquitetura e organização de computadores;</a:t>
+              <a:rPr lang="pt-BR" sz="1800" dirty="0"/>
+              <a:t>é um processador hipotético, que implementa o modelo </a:t>
             </a:r>
-            <a:endParaRPr/>
+            <a:r>
+              <a:rPr lang="pt-BR" sz="1800" dirty="0" err="1"/>
+              <a:t>Neander</a:t>
+            </a:r>
+            <a:r>
+              <a:rPr lang="pt-BR" sz="1800" dirty="0"/>
+              <a:t>, com o propósito de apresentar os principais conceitos básicos sobre arquitetura e organização de computadores;</a:t>
+            </a:r>
+            <a:endParaRPr dirty="0"/>
           </a:p>
         </p:txBody>
       </p:sp>
@@ -40207,10 +40635,10 @@
               <a:buNone/>
             </a:pPr>
             <a:r>
-              <a:rPr lang="pt-BR"/>
+              <a:rPr lang="pt-BR" dirty="0"/>
               <a:t>Processador Hipotético PH1</a:t>
             </a:r>
-            <a:endParaRPr/>
+            <a:endParaRPr dirty="0"/>
           </a:p>
         </p:txBody>
       </p:sp>
@@ -41506,7 +41934,7 @@
         </p:nvGraphicFramePr>
         <p:xfrm>
           <a:off x="775498" y="3601720"/>
-          <a:ext cx="3000000" cy="3000000"/>
+          <a:ext cx="8095800" cy="2814380"/>
         </p:xfrm>
         <a:graphic>
           <a:graphicData uri="http://schemas.openxmlformats.org/drawingml/2006/table">
